--- a/multi_panel_figures/Fig4.pptx
+++ b/multi_panel_figures/Fig4.pptx
@@ -104,6 +104,11 @@
       </a:defRPr>
     </a:lvl9pPr>
   </p:defaultTextStyle>
+  <p:extLst>
+    <p:ext uri="{EFAFB233-063F-42B5-8137-9DF3F51BA10A}">
+      <p15:sldGuideLst xmlns:p15="http://schemas.microsoft.com/office/powerpoint/2012/main"/>
+    </p:ext>
+  </p:extLst>
 </p:presentation>
 </file>
 
@@ -254,7 +259,7 @@
           <a:p>
             <a:fld id="{CB4AC973-CF60-5146-8DEB-2782A138E13F}" type="datetimeFigureOut">
               <a:rPr lang="en-US" smtClean="0"/>
-              <a:t>5/5/19</a:t>
+              <a:t>5/11/19</a:t>
             </a:fld>
             <a:endParaRPr lang="en-US"/>
           </a:p>
@@ -452,7 +457,7 @@
           <a:p>
             <a:fld id="{CB4AC973-CF60-5146-8DEB-2782A138E13F}" type="datetimeFigureOut">
               <a:rPr lang="en-US" smtClean="0"/>
-              <a:t>5/5/19</a:t>
+              <a:t>5/11/19</a:t>
             </a:fld>
             <a:endParaRPr lang="en-US"/>
           </a:p>
@@ -660,7 +665,7 @@
           <a:p>
             <a:fld id="{CB4AC973-CF60-5146-8DEB-2782A138E13F}" type="datetimeFigureOut">
               <a:rPr lang="en-US" smtClean="0"/>
-              <a:t>5/5/19</a:t>
+              <a:t>5/11/19</a:t>
             </a:fld>
             <a:endParaRPr lang="en-US"/>
           </a:p>
@@ -858,7 +863,7 @@
           <a:p>
             <a:fld id="{CB4AC973-CF60-5146-8DEB-2782A138E13F}" type="datetimeFigureOut">
               <a:rPr lang="en-US" smtClean="0"/>
-              <a:t>5/5/19</a:t>
+              <a:t>5/11/19</a:t>
             </a:fld>
             <a:endParaRPr lang="en-US"/>
           </a:p>
@@ -1133,7 +1138,7 @@
           <a:p>
             <a:fld id="{CB4AC973-CF60-5146-8DEB-2782A138E13F}" type="datetimeFigureOut">
               <a:rPr lang="en-US" smtClean="0"/>
-              <a:t>5/5/19</a:t>
+              <a:t>5/11/19</a:t>
             </a:fld>
             <a:endParaRPr lang="en-US"/>
           </a:p>
@@ -1398,7 +1403,7 @@
           <a:p>
             <a:fld id="{CB4AC973-CF60-5146-8DEB-2782A138E13F}" type="datetimeFigureOut">
               <a:rPr lang="en-US" smtClean="0"/>
-              <a:t>5/5/19</a:t>
+              <a:t>5/11/19</a:t>
             </a:fld>
             <a:endParaRPr lang="en-US"/>
           </a:p>
@@ -1810,7 +1815,7 @@
           <a:p>
             <a:fld id="{CB4AC973-CF60-5146-8DEB-2782A138E13F}" type="datetimeFigureOut">
               <a:rPr lang="en-US" smtClean="0"/>
-              <a:t>5/5/19</a:t>
+              <a:t>5/11/19</a:t>
             </a:fld>
             <a:endParaRPr lang="en-US"/>
           </a:p>
@@ -1951,7 +1956,7 @@
           <a:p>
             <a:fld id="{CB4AC973-CF60-5146-8DEB-2782A138E13F}" type="datetimeFigureOut">
               <a:rPr lang="en-US" smtClean="0"/>
-              <a:t>5/5/19</a:t>
+              <a:t>5/11/19</a:t>
             </a:fld>
             <a:endParaRPr lang="en-US"/>
           </a:p>
@@ -2064,7 +2069,7 @@
           <a:p>
             <a:fld id="{CB4AC973-CF60-5146-8DEB-2782A138E13F}" type="datetimeFigureOut">
               <a:rPr lang="en-US" smtClean="0"/>
-              <a:t>5/5/19</a:t>
+              <a:t>5/11/19</a:t>
             </a:fld>
             <a:endParaRPr lang="en-US"/>
           </a:p>
@@ -2375,7 +2380,7 @@
           <a:p>
             <a:fld id="{CB4AC973-CF60-5146-8DEB-2782A138E13F}" type="datetimeFigureOut">
               <a:rPr lang="en-US" smtClean="0"/>
-              <a:t>5/5/19</a:t>
+              <a:t>5/11/19</a:t>
             </a:fld>
             <a:endParaRPr lang="en-US"/>
           </a:p>
@@ -2663,7 +2668,7 @@
           <a:p>
             <a:fld id="{CB4AC973-CF60-5146-8DEB-2782A138E13F}" type="datetimeFigureOut">
               <a:rPr lang="en-US" smtClean="0"/>
-              <a:t>5/5/19</a:t>
+              <a:t>5/11/19</a:t>
             </a:fld>
             <a:endParaRPr lang="en-US"/>
           </a:p>
@@ -2904,7 +2909,7 @@
           <a:p>
             <a:fld id="{CB4AC973-CF60-5146-8DEB-2782A138E13F}" type="datetimeFigureOut">
               <a:rPr lang="en-US" smtClean="0"/>
-              <a:t>5/5/19</a:t>
+              <a:t>5/11/19</a:t>
             </a:fld>
             <a:endParaRPr lang="en-US"/>
           </a:p>
@@ -3470,8 +3475,8 @@
         </p:blipFill>
         <p:spPr>
           <a:xfrm>
-            <a:off x="1500888" y="3432175"/>
-            <a:ext cx="2794000" cy="2120900"/>
+            <a:off x="1072053" y="3114675"/>
+            <a:ext cx="3085609" cy="2342258"/>
           </a:xfrm>
           <a:prstGeom prst="rect">
             <a:avLst/>
@@ -3500,8 +3505,8 @@
         </p:blipFill>
         <p:spPr>
           <a:xfrm>
-            <a:off x="5519737" y="668337"/>
-            <a:ext cx="2794000" cy="2120900"/>
+            <a:off x="5449205" y="582610"/>
+            <a:ext cx="3013756" cy="2287715"/>
           </a:xfrm>
           <a:prstGeom prst="rect">
             <a:avLst/>
@@ -3530,8 +3535,8 @@
         </p:blipFill>
         <p:spPr>
           <a:xfrm>
-            <a:off x="5618161" y="3429000"/>
-            <a:ext cx="2844800" cy="2120900"/>
+            <a:off x="5618160" y="3336033"/>
+            <a:ext cx="3013755" cy="2246862"/>
           </a:xfrm>
           <a:prstGeom prst="rect">
             <a:avLst/>
